--- a/MISC/Resource_Workflow.pptx
+++ b/MISC/Resource_Workflow.pptx
@@ -288,7 +288,7 @@
           <a:p>
             <a:fld id="{1E5EAF33-FEB1-FC4A-ADDF-33AC2BDC9EB7}" type="datetimeFigureOut">
               <a:rPr lang="en-US" smtClean="0"/>
-              <a:t>4/10/13</a:t>
+              <a:t>4/11/13</a:t>
             </a:fld>
             <a:endParaRPr lang="en-US"/>
           </a:p>
@@ -458,7 +458,7 @@
           <a:p>
             <a:fld id="{1E5EAF33-FEB1-FC4A-ADDF-33AC2BDC9EB7}" type="datetimeFigureOut">
               <a:rPr lang="en-US" smtClean="0"/>
-              <a:t>4/10/13</a:t>
+              <a:t>4/11/13</a:t>
             </a:fld>
             <a:endParaRPr lang="en-US"/>
           </a:p>
@@ -638,7 +638,7 @@
           <a:p>
             <a:fld id="{1E5EAF33-FEB1-FC4A-ADDF-33AC2BDC9EB7}" type="datetimeFigureOut">
               <a:rPr lang="en-US" smtClean="0"/>
-              <a:t>4/10/13</a:t>
+              <a:t>4/11/13</a:t>
             </a:fld>
             <a:endParaRPr lang="en-US"/>
           </a:p>
@@ -808,7 +808,7 @@
           <a:p>
             <a:fld id="{1E5EAF33-FEB1-FC4A-ADDF-33AC2BDC9EB7}" type="datetimeFigureOut">
               <a:rPr lang="en-US" smtClean="0"/>
-              <a:t>4/10/13</a:t>
+              <a:t>4/11/13</a:t>
             </a:fld>
             <a:endParaRPr lang="en-US"/>
           </a:p>
@@ -1054,7 +1054,7 @@
           <a:p>
             <a:fld id="{1E5EAF33-FEB1-FC4A-ADDF-33AC2BDC9EB7}" type="datetimeFigureOut">
               <a:rPr lang="en-US" smtClean="0"/>
-              <a:t>4/10/13</a:t>
+              <a:t>4/11/13</a:t>
             </a:fld>
             <a:endParaRPr lang="en-US"/>
           </a:p>
@@ -1342,7 +1342,7 @@
           <a:p>
             <a:fld id="{1E5EAF33-FEB1-FC4A-ADDF-33AC2BDC9EB7}" type="datetimeFigureOut">
               <a:rPr lang="en-US" smtClean="0"/>
-              <a:t>4/10/13</a:t>
+              <a:t>4/11/13</a:t>
             </a:fld>
             <a:endParaRPr lang="en-US"/>
           </a:p>
@@ -1764,7 +1764,7 @@
           <a:p>
             <a:fld id="{1E5EAF33-FEB1-FC4A-ADDF-33AC2BDC9EB7}" type="datetimeFigureOut">
               <a:rPr lang="en-US" smtClean="0"/>
-              <a:t>4/10/13</a:t>
+              <a:t>4/11/13</a:t>
             </a:fld>
             <a:endParaRPr lang="en-US"/>
           </a:p>
@@ -1882,7 +1882,7 @@
           <a:p>
             <a:fld id="{1E5EAF33-FEB1-FC4A-ADDF-33AC2BDC9EB7}" type="datetimeFigureOut">
               <a:rPr lang="en-US" smtClean="0"/>
-              <a:t>4/10/13</a:t>
+              <a:t>4/11/13</a:t>
             </a:fld>
             <a:endParaRPr lang="en-US"/>
           </a:p>
@@ -1977,7 +1977,7 @@
           <a:p>
             <a:fld id="{1E5EAF33-FEB1-FC4A-ADDF-33AC2BDC9EB7}" type="datetimeFigureOut">
               <a:rPr lang="en-US" smtClean="0"/>
-              <a:t>4/10/13</a:t>
+              <a:t>4/11/13</a:t>
             </a:fld>
             <a:endParaRPr lang="en-US"/>
           </a:p>
@@ -2254,7 +2254,7 @@
           <a:p>
             <a:fld id="{1E5EAF33-FEB1-FC4A-ADDF-33AC2BDC9EB7}" type="datetimeFigureOut">
               <a:rPr lang="en-US" smtClean="0"/>
-              <a:t>4/10/13</a:t>
+              <a:t>4/11/13</a:t>
             </a:fld>
             <a:endParaRPr lang="en-US"/>
           </a:p>
@@ -2507,7 +2507,7 @@
           <a:p>
             <a:fld id="{1E5EAF33-FEB1-FC4A-ADDF-33AC2BDC9EB7}" type="datetimeFigureOut">
               <a:rPr lang="en-US" smtClean="0"/>
-              <a:t>4/10/13</a:t>
+              <a:t>4/11/13</a:t>
             </a:fld>
             <a:endParaRPr lang="en-US"/>
           </a:p>
@@ -2720,7 +2720,7 @@
           <a:p>
             <a:fld id="{1E5EAF33-FEB1-FC4A-ADDF-33AC2BDC9EB7}" type="datetimeFigureOut">
               <a:rPr lang="en-US" smtClean="0"/>
-              <a:t>4/10/13</a:t>
+              <a:t>4/11/13</a:t>
             </a:fld>
             <a:endParaRPr lang="en-US"/>
           </a:p>
@@ -3316,7 +3316,7 @@
         </p:nvSpPr>
         <p:spPr>
           <a:xfrm>
-            <a:off x="6835730" y="3432251"/>
+            <a:off x="6835730" y="5111473"/>
             <a:ext cx="1981608" cy="851362"/>
           </a:xfrm>
           <a:prstGeom prst="rect">
@@ -3515,13 +3515,15 @@
       <p:cxnSp>
         <p:nvCxnSpPr>
           <p:cNvPr id="34" name="Straight Connector 33"/>
-          <p:cNvCxnSpPr/>
+          <p:cNvCxnSpPr>
+            <a:endCxn id="21" idx="0"/>
+          </p:cNvCxnSpPr>
           <p:nvPr/>
         </p:nvCxnSpPr>
         <p:spPr>
           <a:xfrm>
             <a:off x="7800834" y="2679712"/>
-            <a:ext cx="0" cy="752539"/>
+            <a:ext cx="25700" cy="2431761"/>
           </a:xfrm>
           <a:prstGeom prst="line">
             <a:avLst/>
@@ -3550,7 +3552,7 @@
         </p:nvCxnSpPr>
         <p:spPr>
           <a:xfrm>
-            <a:off x="3473685" y="3182140"/>
+            <a:off x="3432926" y="3182140"/>
             <a:ext cx="0" cy="250111"/>
           </a:xfrm>
           <a:prstGeom prst="line">
@@ -3610,8 +3612,8 @@
         </p:nvCxnSpPr>
         <p:spPr>
           <a:xfrm flipH="1">
-            <a:off x="3473686" y="3182140"/>
-            <a:ext cx="2189826" cy="0"/>
+            <a:off x="3432926" y="3182140"/>
+            <a:ext cx="2230586" cy="0"/>
           </a:xfrm>
           <a:prstGeom prst="line">
             <a:avLst/>
@@ -3644,6 +3646,66 @@
           <a:xfrm>
             <a:off x="4486526" y="3000717"/>
             <a:ext cx="5873" cy="181423"/>
+          </a:xfrm>
+          <a:prstGeom prst="line">
+            <a:avLst/>
+          </a:prstGeom>
+        </p:spPr>
+        <p:style>
+          <a:lnRef idx="2">
+            <a:schemeClr val="accent1"/>
+          </a:lnRef>
+          <a:fillRef idx="0">
+            <a:schemeClr val="accent1"/>
+          </a:fillRef>
+          <a:effectRef idx="1">
+            <a:schemeClr val="accent1"/>
+          </a:effectRef>
+          <a:fontRef idx="minor">
+            <a:schemeClr val="tx1"/>
+          </a:fontRef>
+        </p:style>
+      </p:cxnSp>
+      <p:cxnSp>
+        <p:nvCxnSpPr>
+          <p:cNvPr id="23" name="Straight Connector 22"/>
+          <p:cNvCxnSpPr/>
+          <p:nvPr/>
+        </p:nvCxnSpPr>
+        <p:spPr>
+          <a:xfrm>
+            <a:off x="5663512" y="4283613"/>
+            <a:ext cx="0" cy="1304387"/>
+          </a:xfrm>
+          <a:prstGeom prst="line">
+            <a:avLst/>
+          </a:prstGeom>
+        </p:spPr>
+        <p:style>
+          <a:lnRef idx="2">
+            <a:schemeClr val="accent1"/>
+          </a:lnRef>
+          <a:fillRef idx="0">
+            <a:schemeClr val="accent1"/>
+          </a:fillRef>
+          <a:effectRef idx="1">
+            <a:schemeClr val="accent1"/>
+          </a:effectRef>
+          <a:fontRef idx="minor">
+            <a:schemeClr val="tx1"/>
+          </a:fontRef>
+        </p:style>
+      </p:cxnSp>
+      <p:cxnSp>
+        <p:nvCxnSpPr>
+          <p:cNvPr id="28" name="Straight Connector 27"/>
+          <p:cNvCxnSpPr/>
+          <p:nvPr/>
+        </p:nvCxnSpPr>
+        <p:spPr>
+          <a:xfrm flipH="1">
+            <a:off x="5663512" y="5588000"/>
+            <a:ext cx="1172218" cy="0"/>
           </a:xfrm>
           <a:prstGeom prst="line">
             <a:avLst/>
